--- a/PP/Exploring climate data’s relevance to predict energy consumption.pptx
+++ b/PP/Exploring climate data’s relevance to predict energy consumption.pptx
@@ -144,6 +144,68 @@
 
 <file path=ppt/changesInfos/changesInfo1.xml><?xml version="1.0" encoding="utf-8"?>
 <pc:chgInfo xmlns:a="http://schemas.openxmlformats.org/drawingml/2006/main" xmlns:r="http://schemas.openxmlformats.org/officeDocument/2006/relationships" xmlns:ac="http://schemas.microsoft.com/office/drawing/2013/main/command" xmlns:pc="http://schemas.microsoft.com/office/powerpoint/2013/main/command">
+  <pc:docChgLst>
+    <pc:chgData name="Mathias Østergaard" userId="a5d1e7bd90b8f6c9" providerId="LiveId" clId="{8EB55C7B-AC20-4D4F-8E85-889216698BAA}"/>
+    <pc:docChg chg="modSld">
+      <pc:chgData name="Mathias Østergaard" userId="a5d1e7bd90b8f6c9" providerId="LiveId" clId="{8EB55C7B-AC20-4D4F-8E85-889216698BAA}" dt="2022-06-20T14:59:32.245" v="153" actId="1076"/>
+      <pc:docMkLst>
+        <pc:docMk/>
+      </pc:docMkLst>
+      <pc:sldChg chg="modSp mod">
+        <pc:chgData name="Mathias Østergaard" userId="a5d1e7bd90b8f6c9" providerId="LiveId" clId="{8EB55C7B-AC20-4D4F-8E85-889216698BAA}" dt="2022-06-20T14:47:42.909" v="59" actId="20577"/>
+        <pc:sldMkLst>
+          <pc:docMk/>
+          <pc:sldMk cId="630157267" sldId="267"/>
+        </pc:sldMkLst>
+        <pc:spChg chg="mod">
+          <ac:chgData name="Mathias Østergaard" userId="a5d1e7bd90b8f6c9" providerId="LiveId" clId="{8EB55C7B-AC20-4D4F-8E85-889216698BAA}" dt="2022-06-20T14:47:42.909" v="59" actId="20577"/>
+          <ac:spMkLst>
+            <pc:docMk/>
+            <pc:sldMk cId="630157267" sldId="267"/>
+            <ac:spMk id="3" creationId="{D8F3D917-7933-CA1E-450F-1CF870A33CFC}"/>
+          </ac:spMkLst>
+        </pc:spChg>
+      </pc:sldChg>
+      <pc:sldChg chg="modSp mod">
+        <pc:chgData name="Mathias Østergaard" userId="a5d1e7bd90b8f6c9" providerId="LiveId" clId="{8EB55C7B-AC20-4D4F-8E85-889216698BAA}" dt="2022-06-20T14:59:32.245" v="153" actId="1076"/>
+        <pc:sldMkLst>
+          <pc:docMk/>
+          <pc:sldMk cId="3438510648" sldId="274"/>
+        </pc:sldMkLst>
+        <pc:spChg chg="mod">
+          <ac:chgData name="Mathias Østergaard" userId="a5d1e7bd90b8f6c9" providerId="LiveId" clId="{8EB55C7B-AC20-4D4F-8E85-889216698BAA}" dt="2022-06-20T14:59:32.245" v="153" actId="1076"/>
+          <ac:spMkLst>
+            <pc:docMk/>
+            <pc:sldMk cId="3438510648" sldId="274"/>
+            <ac:spMk id="8" creationId="{D02B7679-CF3A-020E-8986-9781D6E86F1B}"/>
+          </ac:spMkLst>
+        </pc:spChg>
+      </pc:sldChg>
+      <pc:sldChg chg="modSp mod modNotesTx">
+        <pc:chgData name="Mathias Østergaard" userId="a5d1e7bd90b8f6c9" providerId="LiveId" clId="{8EB55C7B-AC20-4D4F-8E85-889216698BAA}" dt="2022-06-20T14:58:58.988" v="147" actId="20577"/>
+        <pc:sldMkLst>
+          <pc:docMk/>
+          <pc:sldMk cId="3625180031" sldId="275"/>
+        </pc:sldMkLst>
+        <pc:spChg chg="mod">
+          <ac:chgData name="Mathias Østergaard" userId="a5d1e7bd90b8f6c9" providerId="LiveId" clId="{8EB55C7B-AC20-4D4F-8E85-889216698BAA}" dt="2022-06-20T14:57:52.428" v="114" actId="20577"/>
+          <ac:spMkLst>
+            <pc:docMk/>
+            <pc:sldMk cId="3625180031" sldId="275"/>
+            <ac:spMk id="2" creationId="{A4020031-A5E5-7DBA-C3BF-FB056DE16085}"/>
+          </ac:spMkLst>
+        </pc:spChg>
+        <pc:spChg chg="mod">
+          <ac:chgData name="Mathias Østergaard" userId="a5d1e7bd90b8f6c9" providerId="LiveId" clId="{8EB55C7B-AC20-4D4F-8E85-889216698BAA}" dt="2022-06-20T14:58:58.988" v="147" actId="20577"/>
+          <ac:spMkLst>
+            <pc:docMk/>
+            <pc:sldMk cId="3625180031" sldId="275"/>
+            <ac:spMk id="3" creationId="{D7CBCF82-96A1-32C0-BF5B-0E52E303890D}"/>
+          </ac:spMkLst>
+        </pc:spChg>
+      </pc:sldChg>
+    </pc:docChg>
+  </pc:docChgLst>
   <pc:docChgLst>
     <pc:chgData name="Mathias Østergaard" userId="a5d1e7bd90b8f6c9" providerId="LiveId" clId="{92AB6C90-78EC-4A51-8C69-F2A40B7D3AB2}"/>
     <pc:docChg chg="custSel modSld">
@@ -4916,6 +4978,145 @@
 </p:notes>
 </file>
 
+<file path=ppt/notesSlides/notesSlide6.xml><?xml version="1.0" encoding="utf-8"?>
+<p:notes xmlns:a="http://schemas.openxmlformats.org/drawingml/2006/main" xmlns:r="http://schemas.openxmlformats.org/officeDocument/2006/relationships" xmlns:p="http://schemas.openxmlformats.org/presentationml/2006/main">
+  <p:cSld>
+    <p:spTree>
+      <p:nvGrpSpPr>
+        <p:cNvPr id="1" name=""/>
+        <p:cNvGrpSpPr/>
+        <p:nvPr/>
+      </p:nvGrpSpPr>
+      <p:grpSpPr>
+        <a:xfrm>
+          <a:off x="0" y="0"/>
+          <a:ext cx="0" cy="0"/>
+          <a:chOff x="0" y="0"/>
+          <a:chExt cx="0" cy="0"/>
+        </a:xfrm>
+      </p:grpSpPr>
+      <p:sp>
+        <p:nvSpPr>
+          <p:cNvPr id="2" name="Pladsholder til slidebillede 1"/>
+          <p:cNvSpPr>
+            <a:spLocks noGrp="1" noRot="1" noChangeAspect="1"/>
+          </p:cNvSpPr>
+          <p:nvPr>
+            <p:ph type="sldImg"/>
+          </p:nvPr>
+        </p:nvSpPr>
+        <p:spPr/>
+      </p:sp>
+      <p:sp>
+        <p:nvSpPr>
+          <p:cNvPr id="3" name="Pladsholder til noter 2"/>
+          <p:cNvSpPr>
+            <a:spLocks noGrp="1"/>
+          </p:cNvSpPr>
+          <p:nvPr>
+            <p:ph type="body" idx="1"/>
+          </p:nvPr>
+        </p:nvSpPr>
+        <p:spPr/>
+        <p:txBody>
+          <a:bodyPr/>
+          <a:lstStyle/>
+          <a:p>
+            <a:r>
+              <a:rPr lang="da-DK" dirty="0"/>
+              <a:t>Læg mere kræft på mine valg</a:t>
+            </a:r>
+          </a:p>
+          <a:p>
+            <a:r>
+              <a:rPr lang="da-DK" dirty="0"/>
+              <a:t>Valg af data</a:t>
+            </a:r>
+          </a:p>
+          <a:p>
+            <a:r>
+              <a:rPr lang="da-DK" dirty="0"/>
+              <a:t>Time til time</a:t>
+            </a:r>
+          </a:p>
+          <a:p>
+            <a:r>
+              <a:rPr lang="da-DK" dirty="0"/>
+              <a:t>Overfitting</a:t>
+            </a:r>
+          </a:p>
+          <a:p>
+            <a:r>
+              <a:rPr lang="da-DK" dirty="0"/>
+              <a:t>Agenda/emner </a:t>
+            </a:r>
+          </a:p>
+          <a:p>
+            <a:r>
+              <a:rPr lang="da-DK" dirty="0"/>
+              <a:t>Største </a:t>
+            </a:r>
+            <a:r>
+              <a:rPr lang="da-DK" dirty="0" err="1"/>
+              <a:t>take-away</a:t>
+            </a:r>
+            <a:endParaRPr lang="da-DK" dirty="0"/>
+          </a:p>
+          <a:p>
+            <a:r>
+              <a:rPr lang="da-DK" dirty="0"/>
+              <a:t>Hvis jeg startede forfra, </a:t>
+            </a:r>
+            <a:r>
+              <a:rPr lang="da-DK" dirty="0" err="1"/>
+              <a:t>havd</a:t>
+            </a:r>
+            <a:r>
+              <a:rPr lang="da-DK" dirty="0"/>
+              <a:t> ville jeg så?</a:t>
+            </a:r>
+          </a:p>
+          <a:p>
+            <a:endParaRPr lang="da-DK" dirty="0"/>
+          </a:p>
+        </p:txBody>
+      </p:sp>
+      <p:sp>
+        <p:nvSpPr>
+          <p:cNvPr id="4" name="Pladsholder til slidenummer 3"/>
+          <p:cNvSpPr>
+            <a:spLocks noGrp="1"/>
+          </p:cNvSpPr>
+          <p:nvPr>
+            <p:ph type="sldNum" sz="quarter" idx="5"/>
+          </p:nvPr>
+        </p:nvSpPr>
+        <p:spPr/>
+        <p:txBody>
+          <a:bodyPr/>
+          <a:lstStyle/>
+          <a:p>
+            <a:fld id="{429920BF-1F0D-4EA5-A8AF-C0C2AA4AF747}" type="slidenum">
+              <a:rPr lang="da-DK" smtClean="0"/>
+              <a:t>20</a:t>
+            </a:fld>
+            <a:endParaRPr lang="da-DK"/>
+          </a:p>
+        </p:txBody>
+      </p:sp>
+    </p:spTree>
+    <p:extLst>
+      <p:ext uri="{BB962C8B-B14F-4D97-AF65-F5344CB8AC3E}">
+        <p14:creationId xmlns:p14="http://schemas.microsoft.com/office/powerpoint/2010/main" val="4208967962"/>
+      </p:ext>
+    </p:extLst>
+  </p:cSld>
+  <p:clrMapOvr>
+    <a:masterClrMapping/>
+  </p:clrMapOvr>
+</p:notes>
+</file>
+
 <file path=ppt/slideLayouts/slideLayout1.xml><?xml version="1.0" encoding="utf-8"?>
 <p:sldLayout xmlns:a="http://schemas.openxmlformats.org/drawingml/2006/main" xmlns:r="http://schemas.openxmlformats.org/officeDocument/2006/relationships" xmlns:p="http://schemas.openxmlformats.org/presentationml/2006/main" showMasterSp="0" type="title" preserve="1">
   <p:cSld name="Titelslide">
@@ -9415,6 +9616,33 @@
           </a:p>
           <a:p>
             <a:r>
+              <a:rPr lang="da-DK" dirty="0"/>
+              <a:t>Change in </a:t>
+            </a:r>
+            <a:r>
+              <a:rPr lang="da-DK" dirty="0" err="1"/>
+              <a:t>behaviour</a:t>
+            </a:r>
+            <a:r>
+              <a:rPr lang="da-DK" dirty="0"/>
+              <a:t> from COVID and </a:t>
+            </a:r>
+            <a:r>
+              <a:rPr lang="da-DK" dirty="0" err="1"/>
+              <a:t>energy</a:t>
+            </a:r>
+            <a:r>
+              <a:rPr lang="da-DK" dirty="0"/>
+              <a:t> </a:t>
+            </a:r>
+            <a:r>
+              <a:rPr lang="da-DK" dirty="0" err="1"/>
+              <a:t>prices</a:t>
+            </a:r>
+            <a:endParaRPr lang="da-DK" dirty="0"/>
+          </a:p>
+          <a:p>
+            <a:r>
               <a:rPr lang="da-DK" dirty="0" err="1"/>
               <a:t>Two</a:t>
             </a:r>
@@ -11194,7 +11422,7 @@
         </p:nvSpPr>
         <p:spPr>
           <a:xfrm>
-            <a:off x="7762240" y="1765460"/>
+            <a:off x="7373620" y="1765460"/>
             <a:ext cx="6096000" cy="584775"/>
           </a:xfrm>
           <a:prstGeom prst="rect">
@@ -11210,7 +11438,7 @@
           <a:p>
             <a:r>
               <a:rPr lang="da-DK" sz="3200" dirty="0"/>
-              <a:t>New </a:t>
+              <a:t>New test </a:t>
             </a:r>
             <a:r>
               <a:rPr lang="da-DK" sz="3200" dirty="0" err="1"/>
@@ -11799,8 +12027,20 @@
           <a:lstStyle/>
           <a:p>
             <a:r>
-              <a:rPr lang="da-DK" dirty="0" err="1"/>
-              <a:t>Additional</a:t>
+              <a:rPr lang="da-DK" dirty="0"/>
+              <a:t>Biggest </a:t>
+            </a:r>
+            <a:r>
+              <a:rPr lang="da-DK" dirty="0" err="1"/>
+              <a:t>take-aways</a:t>
+            </a:r>
+            <a:r>
+              <a:rPr lang="da-DK" dirty="0"/>
+              <a:t> from </a:t>
+            </a:r>
+            <a:r>
+              <a:rPr lang="da-DK" dirty="0" err="1"/>
+              <a:t>this</a:t>
             </a:r>
             <a:r>
               <a:rPr lang="da-DK" dirty="0"/>
@@ -11808,12 +12048,12 @@
             </a:r>
             <a:r>
               <a:rPr lang="da-DK" dirty="0" err="1"/>
-              <a:t>discussion</a:t>
-            </a:r>
-            <a:r>
-              <a:rPr lang="da-DK" dirty="0"/>
-              <a:t> points</a:t>
-            </a:r>
+              <a:t>project</a:t>
+            </a:r>
+            <a:br>
+              <a:rPr lang="da-DK" dirty="0"/>
+            </a:br>
+            <a:endParaRPr lang="da-DK" dirty="0"/>
           </a:p>
         </p:txBody>
       </p:sp>
@@ -11923,9 +12163,33 @@
               <a:rPr lang="da-DK" dirty="0" err="1"/>
               <a:t>manners</a:t>
             </a:r>
-            <a:endParaRPr lang="da-DK"/>
-          </a:p>
-          <a:p>
+            <a:endParaRPr lang="da-DK" dirty="0"/>
+          </a:p>
+          <a:p>
+            <a:r>
+              <a:rPr lang="da-DK" dirty="0"/>
+              <a:t>Dont just trust </a:t>
+            </a:r>
+            <a:r>
+              <a:rPr lang="da-DK" dirty="0" err="1"/>
+              <a:t>you</a:t>
+            </a:r>
+            <a:r>
+              <a:rPr lang="da-DK" dirty="0"/>
+              <a:t> </a:t>
+            </a:r>
+            <a:r>
+              <a:rPr lang="da-DK" dirty="0" err="1"/>
+              <a:t>error</a:t>
+            </a:r>
+            <a:r>
+              <a:rPr lang="da-DK" dirty="0"/>
+              <a:t> </a:t>
+            </a:r>
+            <a:r>
+              <a:rPr lang="da-DK" dirty="0" err="1"/>
+              <a:t>metrics</a:t>
+            </a:r>
             <a:endParaRPr lang="da-DK" dirty="0"/>
           </a:p>
           <a:p>
